--- a/theme2/SF100/slides.pptx
+++ b/theme2/SF100/slides.pptx
@@ -6328,9 +6328,9 @@
                 <a:tableStyleId>{5C22544A-7EE6-4342-B048-85BDC9FD1C3A}</a:tableStyleId>
               </a:tblPr>
               <a:tblGrid>
-                <a:gridCol w="2743200"/>
-                <a:gridCol w="2743200"/>
-                <a:gridCol w="2743200"/>
+                <a:gridCol w="622300"/>
+                <a:gridCol w="5321300"/>
+                <a:gridCol w="2286000"/>
               </a:tblGrid>
               <a:tr h="0">
                 <a:tc>
@@ -9354,7 +9354,25 @@
                 </a:solidFill>
                 <a:latin typeface="Courier"/>
               </a:rPr>
-              <a:t> /bin/ | </a:t>
+              <a:t> /bin/ </a:t>
+            </a:r>
+            <a:r>
+              <a:rPr b="1">
+                <a:solidFill>
+                  <a:srgbClr val="003B4F"/>
+                </a:solidFill>
+                <a:latin typeface="Courier"/>
+              </a:rPr>
+              <a:t>|</a:t>
+            </a:r>
+            <a:r>
+              <a:rPr>
+                <a:solidFill>
+                  <a:srgbClr val="003B4F"/>
+                </a:solidFill>
+                <a:latin typeface="Courier"/>
+              </a:rPr>
+              <a:t> </a:t>
             </a:r>
             <a:r>
               <a:rPr>
@@ -9384,7 +9402,25 @@
                 </a:solidFill>
                 <a:latin typeface="Courier"/>
               </a:rPr>
-              <a:t>[ssasidharan@lnx201 ~]$ ls /bin /sbin | </a:t>
+              <a:t>[ssasidharan@lnx201 ~]$ ls /bin /sbin </a:t>
+            </a:r>
+            <a:r>
+              <a:rPr b="1">
+                <a:solidFill>
+                  <a:srgbClr val="003B4F"/>
+                </a:solidFill>
+                <a:latin typeface="Courier"/>
+              </a:rPr>
+              <a:t>|</a:t>
+            </a:r>
+            <a:r>
+              <a:rPr>
+                <a:solidFill>
+                  <a:srgbClr val="003B4F"/>
+                </a:solidFill>
+                <a:latin typeface="Courier"/>
+              </a:rPr>
+              <a:t> </a:t>
             </a:r>
             <a:r>
               <a:rPr>
@@ -9402,7 +9438,25 @@
                 </a:solidFill>
                 <a:latin typeface="Courier"/>
               </a:rPr>
-              <a:t> | </a:t>
+              <a:t> </a:t>
+            </a:r>
+            <a:r>
+              <a:rPr b="1">
+                <a:solidFill>
+                  <a:srgbClr val="003B4F"/>
+                </a:solidFill>
+                <a:latin typeface="Courier"/>
+              </a:rPr>
+              <a:t>|</a:t>
+            </a:r>
+            <a:r>
+              <a:rPr>
+                <a:solidFill>
+                  <a:srgbClr val="003B4F"/>
+                </a:solidFill>
+                <a:latin typeface="Courier"/>
+              </a:rPr>
+              <a:t> </a:t>
             </a:r>
             <a:r>
               <a:rPr>
@@ -9420,7 +9474,25 @@
                 </a:solidFill>
                 <a:latin typeface="Courier"/>
               </a:rPr>
-              <a:t> | </a:t>
+              <a:t> </a:t>
+            </a:r>
+            <a:r>
+              <a:rPr b="1">
+                <a:solidFill>
+                  <a:srgbClr val="003B4F"/>
+                </a:solidFill>
+                <a:latin typeface="Courier"/>
+              </a:rPr>
+              <a:t>|</a:t>
+            </a:r>
+            <a:r>
+              <a:rPr>
+                <a:solidFill>
+                  <a:srgbClr val="003B4F"/>
+                </a:solidFill>
+                <a:latin typeface="Courier"/>
+              </a:rPr>
+              <a:t> </a:t>
             </a:r>
             <a:r>
               <a:rPr>
@@ -9605,7 +9677,43 @@
                 </a:solidFill>
                 <a:latin typeface="Courier"/>
               </a:rPr>
-              <a:t>63499(ssasidharan) </a:t>
+              <a:t>63499</a:t>
+            </a:r>
+            <a:r>
+              <a:rPr b="1">
+                <a:solidFill>
+                  <a:srgbClr val="003B4F"/>
+                </a:solidFill>
+                <a:latin typeface="Courier"/>
+              </a:rPr>
+              <a:t>(</a:t>
+            </a:r>
+            <a:r>
+              <a:rPr>
+                <a:solidFill>
+                  <a:srgbClr val="003B4F"/>
+                </a:solidFill>
+                <a:latin typeface="Courier"/>
+              </a:rPr>
+              <a:t>ssasidharan</a:t>
+            </a:r>
+            <a:r>
+              <a:rPr b="1">
+                <a:solidFill>
+                  <a:srgbClr val="003B4F"/>
+                </a:solidFill>
+                <a:latin typeface="Courier"/>
+              </a:rPr>
+              <a:t>)</a:t>
+            </a:r>
+            <a:r>
+              <a:rPr>
+                <a:solidFill>
+                  <a:srgbClr val="003B4F"/>
+                </a:solidFill>
+                <a:latin typeface="Courier"/>
+              </a:rPr>
+              <a:t> </a:t>
             </a:r>
             <a:r>
               <a:rPr>
@@ -9632,7 +9740,43 @@
                 </a:solidFill>
                 <a:latin typeface="Courier"/>
               </a:rPr>
-              <a:t>262(chess) </a:t>
+              <a:t>262</a:t>
+            </a:r>
+            <a:r>
+              <a:rPr b="1">
+                <a:solidFill>
+                  <a:srgbClr val="003B4F"/>
+                </a:solidFill>
+                <a:latin typeface="Courier"/>
+              </a:rPr>
+              <a:t>(</a:t>
+            </a:r>
+            <a:r>
+              <a:rPr>
+                <a:solidFill>
+                  <a:srgbClr val="003B4F"/>
+                </a:solidFill>
+                <a:latin typeface="Courier"/>
+              </a:rPr>
+              <a:t>chess</a:t>
+            </a:r>
+            <a:r>
+              <a:rPr b="1">
+                <a:solidFill>
+                  <a:srgbClr val="003B4F"/>
+                </a:solidFill>
+                <a:latin typeface="Courier"/>
+              </a:rPr>
+              <a:t>)</a:t>
+            </a:r>
+            <a:r>
+              <a:rPr>
+                <a:solidFill>
+                  <a:srgbClr val="003B4F"/>
+                </a:solidFill>
+                <a:latin typeface="Courier"/>
+              </a:rPr>
+              <a:t> </a:t>
             </a:r>
             <a:r>
               <a:rPr>
@@ -9659,7 +9803,43 @@
                 </a:solidFill>
                 <a:latin typeface="Courier"/>
               </a:rPr>
-              <a:t>262(chess),750</a:t>
+              <a:t>262</a:t>
+            </a:r>
+            <a:r>
+              <a:rPr b="1">
+                <a:solidFill>
+                  <a:srgbClr val="003B4F"/>
+                </a:solidFill>
+                <a:latin typeface="Courier"/>
+              </a:rPr>
+              <a:t>(</a:t>
+            </a:r>
+            <a:r>
+              <a:rPr>
+                <a:solidFill>
+                  <a:srgbClr val="003B4F"/>
+                </a:solidFill>
+                <a:latin typeface="Courier"/>
+              </a:rPr>
+              <a:t>chess</a:t>
+            </a:r>
+            <a:r>
+              <a:rPr b="1">
+                <a:solidFill>
+                  <a:srgbClr val="003B4F"/>
+                </a:solidFill>
+                <a:latin typeface="Courier"/>
+              </a:rPr>
+              <a:t>)</a:t>
+            </a:r>
+            <a:r>
+              <a:rPr>
+                <a:solidFill>
+                  <a:srgbClr val="003B4F"/>
+                </a:solidFill>
+                <a:latin typeface="Courier"/>
+              </a:rPr>
+              <a:t>,750</a:t>
             </a:r>
             <a:r>
               <a:rPr>
@@ -9677,7 +9857,16 @@
                 </a:solidFill>
                 <a:latin typeface="Courier"/>
               </a:rPr>
-              <a:t>classeuser)</a:t>
+              <a:t>classeuser</a:t>
+            </a:r>
+            <a:r>
+              <a:rPr b="1">
+                <a:solidFill>
+                  <a:srgbClr val="003B4F"/>
+                </a:solidFill>
+                <a:latin typeface="Courier"/>
+              </a:rPr>
+              <a:t>)</a:t>
             </a:r>
             <a:br/>
             <a:r>
@@ -10653,7 +10842,16 @@
                 </a:solidFill>
                 <a:latin typeface="Courier"/>
               </a:rPr>
-              <a:t>[ssasidharan@lnx201 ~]$ sleep 100 &amp;</a:t>
+              <a:t>[ssasidharan@lnx201 ~]$ sleep 100 </a:t>
+            </a:r>
+            <a:r>
+              <a:rPr b="1">
+                <a:solidFill>
+                  <a:srgbClr val="003B4F"/>
+                </a:solidFill>
+                <a:latin typeface="Courier"/>
+              </a:rPr>
+              <a:t>&amp;</a:t>
             </a:r>
             <a:br/>
             <a:r>
